--- a/Pitch.pptx
+++ b/Pitch.pptx
@@ -6320,7 +6320,7 @@
             </a:pPr>
             <a:r>
               <a:rPr lang="en-CA" dirty="0"/>
-              <a:t>Rock Paper Scissors</a:t>
+              <a:t>Stone Sheet &amp; Slicer</a:t>
             </a:r>
             <a:endParaRPr dirty="0"/>
           </a:p>
@@ -6418,6 +6418,53 @@
           </a:extLst>
         </p:spPr>
       </p:pic>
+      <p:pic>
+        <p:nvPicPr>
+          <p:cNvPr id="4102" name="Picture 6" descr="https://cdn.discordapp.com/attachments/419519881755754498/419944454762266624/Screen_Shot_2018-03-04_at_2.48.54_PM.png">
+            <a:extLst>
+              <a:ext uri="{FF2B5EF4-FFF2-40B4-BE49-F238E27FC236}">
+                <a16:creationId xmlns:a16="http://schemas.microsoft.com/office/drawing/2014/main" id="{9ABB6515-7972-4ABB-8F14-109531B2CA9C}"/>
+              </a:ext>
+            </a:extLst>
+          </p:cNvPr>
+          <p:cNvPicPr>
+            <a:picLocks noChangeAspect="1" noChangeArrowheads="1"/>
+          </p:cNvPicPr>
+          <p:nvPr/>
+        </p:nvPicPr>
+        <p:blipFill>
+          <a:blip r:embed="rId4">
+            <a:extLst>
+              <a:ext uri="{28A0092B-C50C-407E-A947-70E740481C1C}">
+                <a14:useLocalDpi xmlns:a14="http://schemas.microsoft.com/office/drawing/2010/main" val="0"/>
+              </a:ext>
+            </a:extLst>
+          </a:blip>
+          <a:srcRect/>
+          <a:stretch>
+            <a:fillRect/>
+          </a:stretch>
+        </p:blipFill>
+        <p:spPr bwMode="auto">
+          <a:xfrm>
+            <a:off x="2722350" y="449580"/>
+            <a:ext cx="3394499" cy="3093720"/>
+          </a:xfrm>
+          <a:prstGeom prst="rect">
+            <a:avLst/>
+          </a:prstGeom>
+          <a:noFill/>
+          <a:extLst>
+            <a:ext uri="{909E8E84-426E-40DD-AFC4-6F175D3DCCD1}">
+              <a14:hiddenFill xmlns:a14="http://schemas.microsoft.com/office/drawing/2010/main">
+                <a:solidFill>
+                  <a:srgbClr val="FFFFFF"/>
+                </a:solidFill>
+              </a14:hiddenFill>
+            </a:ext>
+          </a:extLst>
+        </p:spPr>
+      </p:pic>
     </p:spTree>
   </p:cSld>
   <p:clrMapOvr>
@@ -6528,8 +6575,8 @@
               <a:buNone/>
             </a:pPr>
             <a:r>
-              <a:rPr lang="en" sz="3600" b="1" dirty="0"/>
-              <a:t>I am William Chen</a:t>
+              <a:rPr lang="en-CA" sz="3600" b="1" dirty="0"/>
+              <a:t>We are Team Angus</a:t>
             </a:r>
             <a:endParaRPr sz="3600" b="1" dirty="0"/>
           </a:p>
@@ -8902,7 +8949,7 @@
             </a:pPr>
             <a:r>
               <a:rPr lang="en" sz="1600" b="1" dirty="0"/>
-              <a:t>Rock Paper Scissors </a:t>
+              <a:t>Stone Sheets and Slicers </a:t>
             </a:r>
           </a:p>
           <a:p>
@@ -8910,6 +8957,13 @@
             <a:r>
               <a:rPr lang="en-CA" sz="1600" dirty="0"/>
               <a:t>We attempted to use neural networks to create a self-improving RPS algorithm</a:t>
+            </a:r>
+          </a:p>
+          <a:p>
+            <a:pPr marL="285750" indent="-285750"/>
+            <a:r>
+              <a:rPr lang="en-CA" sz="1600" dirty="0"/>
+              <a:t>Ended up implementing basic decision tree algorithm</a:t>
             </a:r>
           </a:p>
           <a:p>
@@ -8932,7 +8986,7 @@
         </p:nvSpPr>
         <p:spPr>
           <a:xfrm>
-            <a:off x="922000" y="891775"/>
+            <a:off x="922000" y="914635"/>
             <a:ext cx="6866100" cy="857400"/>
           </a:xfrm>
           <a:prstGeom prst="rect">
@@ -9014,7 +9068,7 @@
             </a:pPr>
             <a:r>
               <a:rPr lang="en-CA" sz="1600" b="1" dirty="0"/>
-              <a:t>Database Analysis</a:t>
+              <a:t>Database Analysis - Titanic</a:t>
             </a:r>
           </a:p>
           <a:p>
